--- a/documents/Bug Tracking System.pptx
+++ b/documents/Bug Tracking System.pptx
@@ -7,10 +7,14 @@
   <p:sldIdLst>
     <p:sldId id="256" r:id="rId2"/>
     <p:sldId id="257" r:id="rId3"/>
-    <p:sldId id="258" r:id="rId4"/>
-    <p:sldId id="259" r:id="rId5"/>
-    <p:sldId id="260" r:id="rId6"/>
-    <p:sldId id="261" r:id="rId7"/>
+    <p:sldId id="259" r:id="rId4"/>
+    <p:sldId id="261" r:id="rId5"/>
+    <p:sldId id="266" r:id="rId6"/>
+    <p:sldId id="262" r:id="rId7"/>
+    <p:sldId id="263" r:id="rId8"/>
+    <p:sldId id="264" r:id="rId9"/>
+    <p:sldId id="265" r:id="rId10"/>
+    <p:sldId id="260" r:id="rId11"/>
   </p:sldIdLst>
   <p:sldSz cx="12192000" cy="6858000"/>
   <p:notesSz cx="6858000" cy="9144000"/>
@@ -109,6 +113,11 @@
       </a:defRPr>
     </a:lvl9pPr>
   </p:defaultTextStyle>
+  <p:extLst>
+    <p:ext uri="{EFAFB233-063F-42B5-8137-9DF3F51BA10A}">
+      <p15:sldGuideLst xmlns:p15="http://schemas.microsoft.com/office/powerpoint/2012/main"/>
+    </p:ext>
+  </p:extLst>
 </p:presentation>
 </file>
 
@@ -448,7 +457,7 @@
             <a:fld id="{5923F103-BC34-4FE4-A40E-EDDEECFDA5D0}" type="datetimeFigureOut">
               <a:rPr lang="en-US" dirty="0"/>
               <a:pPr/>
-              <a:t>9/14/2023</a:t>
+              <a:t>9/15/2023</a:t>
             </a:fld>
             <a:endParaRPr lang="en-US" dirty="0"/>
           </a:p>
@@ -1532,7 +1541,7 @@
           <a:p>
             <a:fld id="{923A1CC3-2375-41D4-9E03-427CAF2A4C1A}" type="datetimeFigureOut">
               <a:rPr lang="en-US" dirty="0"/>
-              <a:t>9/14/2023</a:t>
+              <a:t>9/15/2023</a:t>
             </a:fld>
             <a:endParaRPr lang="en-US" dirty="0"/>
           </a:p>
@@ -2508,7 +2517,7 @@
           <a:p>
             <a:fld id="{AFF16868-8199-4C2C-A5B1-63AEE139F88E}" type="datetimeFigureOut">
               <a:rPr lang="en-US" dirty="0"/>
-              <a:t>9/14/2023</a:t>
+              <a:t>9/15/2023</a:t>
             </a:fld>
             <a:endParaRPr lang="en-US" dirty="0"/>
           </a:p>
@@ -3638,7 +3647,7 @@
           <a:p>
             <a:fld id="{AAD9FF7F-6988-44CC-821B-644E70CD2F73}" type="datetimeFigureOut">
               <a:rPr lang="en-US" dirty="0"/>
-              <a:t>9/14/2023</a:t>
+              <a:t>9/15/2023</a:t>
             </a:fld>
             <a:endParaRPr lang="en-US" dirty="0"/>
           </a:p>
@@ -4667,7 +4676,7 @@
           <a:p>
             <a:fld id="{5C12C299-16B2-4475-990D-751901EACC14}" type="datetimeFigureOut">
               <a:rPr lang="en-US" dirty="0"/>
-              <a:t>9/14/2023</a:t>
+              <a:t>9/15/2023</a:t>
             </a:fld>
             <a:endParaRPr lang="en-US" dirty="0"/>
           </a:p>
@@ -5323,7 +5332,7 @@
           <a:p>
             <a:fld id="{9FE86839-B9D8-4651-8783-F325ECE74E65}" type="datetimeFigureOut">
               <a:rPr lang="en-US" dirty="0"/>
-              <a:t>9/14/2023</a:t>
+              <a:t>9/15/2023</a:t>
             </a:fld>
             <a:endParaRPr lang="en-US" dirty="0"/>
           </a:p>
@@ -6180,7 +6189,7 @@
           <a:p>
             <a:fld id="{FD484F64-32F6-45C5-931F-ADC1662401D0}" type="datetimeFigureOut">
               <a:rPr lang="en-US" dirty="0"/>
-              <a:t>9/14/2023</a:t>
+              <a:t>9/15/2023</a:t>
             </a:fld>
             <a:endParaRPr lang="en-US" dirty="0"/>
           </a:p>
@@ -6366,7 +6375,7 @@
           <a:p>
             <a:fld id="{53086D93-FCAC-47E0-A2EE-787E62CA814C}" type="datetimeFigureOut">
               <a:rPr lang="en-US" dirty="0"/>
-              <a:t>9/14/2023</a:t>
+              <a:t>9/15/2023</a:t>
             </a:fld>
             <a:endParaRPr lang="en-US" dirty="0"/>
           </a:p>
@@ -7334,7 +7343,7 @@
           <a:p>
             <a:fld id="{CDA879A6-0FD0-4734-A311-86BFCA472E6E}" type="datetimeFigureOut">
               <a:rPr lang="en-US" dirty="0"/>
-              <a:t>9/14/2023</a:t>
+              <a:t>9/15/2023</a:t>
             </a:fld>
             <a:endParaRPr lang="en-US" dirty="0"/>
           </a:p>
@@ -7541,7 +7550,7 @@
           <a:p>
             <a:fld id="{19C9CA7B-DFD4-44B5-8C60-D14B8CD1FB59}" type="datetimeFigureOut">
               <a:rPr lang="en-US" dirty="0"/>
-              <a:t>9/14/2023</a:t>
+              <a:t>9/15/2023</a:t>
             </a:fld>
             <a:endParaRPr lang="en-US" dirty="0"/>
           </a:p>
@@ -8571,7 +8580,7 @@
           <a:p>
             <a:fld id="{F34E6425-0181-43F2-84FC-787E803FD2F8}" type="datetimeFigureOut">
               <a:rPr lang="en-US" dirty="0"/>
-              <a:t>9/14/2023</a:t>
+              <a:t>9/15/2023</a:t>
             </a:fld>
             <a:endParaRPr lang="en-US" dirty="0"/>
           </a:p>
@@ -8839,7 +8848,7 @@
           <a:p>
             <a:fld id="{3BDB8791-F1B0-41E7-B7FD-A781E65C4266}" type="datetimeFigureOut">
               <a:rPr lang="en-US" dirty="0"/>
-              <a:t>9/14/2023</a:t>
+              <a:t>9/15/2023</a:t>
             </a:fld>
             <a:endParaRPr lang="en-US" dirty="0"/>
           </a:p>
@@ -9245,7 +9254,7 @@
           <a:p>
             <a:fld id="{5FDD63B2-E120-4ED8-B27B-C685F510A5FE}" type="datetimeFigureOut">
               <a:rPr lang="en-US" dirty="0"/>
-              <a:t>9/14/2023</a:t>
+              <a:t>9/15/2023</a:t>
             </a:fld>
             <a:endParaRPr lang="en-US" dirty="0"/>
           </a:p>
@@ -9368,7 +9377,7 @@
           <a:p>
             <a:fld id="{7AA18ACC-A947-437B-A130-35BD54FDF1E9}" type="datetimeFigureOut">
               <a:rPr lang="en-US" dirty="0"/>
-              <a:t>9/14/2023</a:t>
+              <a:t>9/15/2023</a:t>
             </a:fld>
             <a:endParaRPr lang="en-US" dirty="0"/>
           </a:p>
@@ -9459,7 +9468,7 @@
           <a:p>
             <a:fld id="{7C8D7E02-BCB8-4D50-A234-369438C08659}" type="datetimeFigureOut">
               <a:rPr lang="en-US" dirty="0"/>
-              <a:t>9/14/2023</a:t>
+              <a:t>9/15/2023</a:t>
             </a:fld>
             <a:endParaRPr lang="en-US" dirty="0"/>
           </a:p>
@@ -10536,7 +10545,7 @@
           <a:p>
             <a:fld id="{76E86A4C-8E40-4F87-A4F0-01A0687C5742}" type="datetimeFigureOut">
               <a:rPr lang="en-US" dirty="0"/>
-              <a:t>9/14/2023</a:t>
+              <a:t>9/15/2023</a:t>
             </a:fld>
             <a:endParaRPr lang="en-US" dirty="0"/>
           </a:p>
@@ -11640,7 +11649,7 @@
           <a:p>
             <a:fld id="{35E72C73-2D91-4E12-BA25-F0AA0C03599B}" type="datetimeFigureOut">
               <a:rPr lang="en-US" dirty="0"/>
-              <a:t>9/14/2023</a:t>
+              <a:t>9/15/2023</a:t>
             </a:fld>
             <a:endParaRPr lang="en-US" dirty="0"/>
           </a:p>
@@ -12633,7 +12642,7 @@
           <a:p>
             <a:fld id="{2BE451C3-0FF4-47C4-B829-773ADF60F88C}" type="datetimeFigureOut">
               <a:rPr lang="en-US" dirty="0"/>
-              <a:t>9/14/2023</a:t>
+              <a:t>9/15/2023</a:t>
             </a:fld>
             <a:endParaRPr lang="en-US" dirty="0"/>
           </a:p>
@@ -13309,6 +13318,262 @@
 </p:sld>
 </file>
 
+<file path=ppt/slides/slide10.xml><?xml version="1.0" encoding="utf-8"?>
+<p:sld xmlns:a="http://schemas.openxmlformats.org/drawingml/2006/main" xmlns:r="http://schemas.openxmlformats.org/officeDocument/2006/relationships" xmlns:p="http://schemas.openxmlformats.org/presentationml/2006/main">
+  <p:cSld>
+    <p:spTree>
+      <p:nvGrpSpPr>
+        <p:cNvPr id="1" name=""/>
+        <p:cNvGrpSpPr/>
+        <p:nvPr/>
+      </p:nvGrpSpPr>
+      <p:grpSpPr>
+        <a:xfrm>
+          <a:off x="0" y="0"/>
+          <a:ext cx="0" cy="0"/>
+          <a:chOff x="0" y="0"/>
+          <a:chExt cx="0" cy="0"/>
+        </a:xfrm>
+      </p:grpSpPr>
+      <p:sp>
+        <p:nvSpPr>
+          <p:cNvPr id="2" name="Title 1">
+            <a:extLst>
+              <a:ext uri="{FF2B5EF4-FFF2-40B4-BE49-F238E27FC236}">
+                <a16:creationId xmlns:a16="http://schemas.microsoft.com/office/drawing/2014/main" id="{90DECB89-E3A6-736D-4137-8A7EA549C6E6}"/>
+              </a:ext>
+            </a:extLst>
+          </p:cNvPr>
+          <p:cNvSpPr>
+            <a:spLocks noGrp="1"/>
+          </p:cNvSpPr>
+          <p:nvPr>
+            <p:ph type="ctrTitle"/>
+          </p:nvPr>
+        </p:nvSpPr>
+        <p:spPr>
+          <a:xfrm>
+            <a:off x="1154955" y="-119624"/>
+            <a:ext cx="8825658" cy="2677648"/>
+          </a:xfrm>
+        </p:spPr>
+        <p:txBody>
+          <a:bodyPr/>
+          <a:lstStyle/>
+          <a:p>
+            <a:pPr>
+              <a:lnSpc>
+                <a:spcPct val="150000"/>
+              </a:lnSpc>
+            </a:pPr>
+            <a:r>
+              <a:rPr lang="en-IN" dirty="0"/>
+              <a:t>Highlights Of Learning</a:t>
+            </a:r>
+            <a:br>
+              <a:rPr lang="en-IN" dirty="0"/>
+            </a:br>
+            <a:r>
+              <a:rPr lang="en-IN" sz="4400" dirty="0"/>
+              <a:t>Soft Skills:-</a:t>
+            </a:r>
+          </a:p>
+        </p:txBody>
+      </p:sp>
+      <p:sp>
+        <p:nvSpPr>
+          <p:cNvPr id="3" name="Subtitle 2">
+            <a:extLst>
+              <a:ext uri="{FF2B5EF4-FFF2-40B4-BE49-F238E27FC236}">
+                <a16:creationId xmlns:a16="http://schemas.microsoft.com/office/drawing/2014/main" id="{CC52892F-092D-1F7E-70B0-0780D10590D9}"/>
+              </a:ext>
+            </a:extLst>
+          </p:cNvPr>
+          <p:cNvSpPr>
+            <a:spLocks noGrp="1"/>
+          </p:cNvSpPr>
+          <p:nvPr>
+            <p:ph type="subTitle" idx="1"/>
+          </p:nvPr>
+        </p:nvSpPr>
+        <p:spPr>
+          <a:xfrm>
+            <a:off x="1154955" y="2715498"/>
+            <a:ext cx="8825658" cy="861420"/>
+          </a:xfrm>
+        </p:spPr>
+        <p:txBody>
+          <a:bodyPr>
+            <a:noAutofit/>
+          </a:bodyPr>
+          <a:lstStyle/>
+          <a:p>
+            <a:r>
+              <a:rPr lang="en-US" sz="1400" b="0" i="0" dirty="0">
+                <a:solidFill>
+                  <a:schemeClr val="tx1"/>
+                </a:solidFill>
+                <a:effectLst/>
+                <a:latin typeface="Söhne"/>
+              </a:rPr>
+              <a:t>This project provided an excellent opportunity to develop and enhance various soft skills. Here are some key soft skills that WE learnt from participating in This project:</a:t>
+            </a:r>
+          </a:p>
+          <a:p>
+            <a:endParaRPr lang="en-US" sz="1400" dirty="0">
+              <a:solidFill>
+                <a:schemeClr val="tx1"/>
+              </a:solidFill>
+              <a:latin typeface="Söhne"/>
+            </a:endParaRPr>
+          </a:p>
+          <a:p>
+            <a:endParaRPr lang="en-US" sz="1400" b="0" i="0" dirty="0">
+              <a:solidFill>
+                <a:schemeClr val="tx1"/>
+              </a:solidFill>
+              <a:effectLst/>
+              <a:latin typeface="Söhne"/>
+            </a:endParaRPr>
+          </a:p>
+          <a:p>
+            <a:r>
+              <a:rPr lang="en-IN" sz="1400" b="1" i="0" dirty="0">
+                <a:solidFill>
+                  <a:schemeClr val="bg1"/>
+                </a:solidFill>
+                <a:effectLst/>
+                <a:latin typeface="Söhne"/>
+              </a:rPr>
+              <a:t>Communication Skills					Problem-Solving and Critical Thinking</a:t>
+            </a:r>
+            <a:endParaRPr lang="en-IN" sz="1400" b="1" dirty="0">
+              <a:solidFill>
+                <a:schemeClr val="bg1"/>
+              </a:solidFill>
+              <a:latin typeface="Söhne"/>
+            </a:endParaRPr>
+          </a:p>
+          <a:p>
+            <a:r>
+              <a:rPr lang="en-IN" sz="1400" b="1" i="0" dirty="0">
+                <a:solidFill>
+                  <a:schemeClr val="bg1"/>
+                </a:solidFill>
+                <a:effectLst/>
+                <a:latin typeface="Söhne"/>
+              </a:rPr>
+              <a:t>Adaptability							Teamwork and Collaboration</a:t>
+            </a:r>
+          </a:p>
+          <a:p>
+            <a:r>
+              <a:rPr lang="en-IN" sz="1400" b="1" i="0" dirty="0">
+                <a:solidFill>
+                  <a:schemeClr val="bg1"/>
+                </a:solidFill>
+                <a:effectLst/>
+                <a:latin typeface="Söhne"/>
+              </a:rPr>
+              <a:t>Conflict Resolution						Leadership Skills</a:t>
+            </a:r>
+            <a:endParaRPr lang="en-IN" sz="1400" b="1" dirty="0">
+              <a:solidFill>
+                <a:schemeClr val="bg1"/>
+              </a:solidFill>
+              <a:latin typeface="Söhne"/>
+            </a:endParaRPr>
+          </a:p>
+          <a:p>
+            <a:r>
+              <a:rPr lang="en-IN" sz="1400" b="1" i="0" dirty="0">
+                <a:solidFill>
+                  <a:schemeClr val="bg1"/>
+                </a:solidFill>
+                <a:effectLst/>
+                <a:latin typeface="Söhne"/>
+              </a:rPr>
+              <a:t>Presentation Skills						Time Management</a:t>
+            </a:r>
+          </a:p>
+          <a:p>
+            <a:r>
+              <a:rPr lang="en-IN" sz="1400" b="1" i="0" dirty="0">
+                <a:solidFill>
+                  <a:schemeClr val="bg1"/>
+                </a:solidFill>
+                <a:effectLst/>
+                <a:latin typeface="Söhne"/>
+              </a:rPr>
+              <a:t>Empathy and Cultural Awareness			Creativity and Innovation</a:t>
+            </a:r>
+            <a:endParaRPr lang="en-IN" sz="1400" b="1" dirty="0">
+              <a:solidFill>
+                <a:schemeClr val="bg1"/>
+              </a:solidFill>
+              <a:latin typeface="Söhne"/>
+            </a:endParaRPr>
+          </a:p>
+          <a:p>
+            <a:r>
+              <a:rPr lang="en-IN" sz="1400" b="1" i="0" dirty="0">
+                <a:solidFill>
+                  <a:schemeClr val="bg1"/>
+                </a:solidFill>
+                <a:effectLst/>
+                <a:latin typeface="Söhne"/>
+              </a:rPr>
+              <a:t>Responsibility and Accountability</a:t>
+            </a:r>
+            <a:r>
+              <a:rPr lang="en-IN" sz="1400" b="1" dirty="0">
+                <a:solidFill>
+                  <a:schemeClr val="bg1"/>
+                </a:solidFill>
+                <a:latin typeface="Söhne"/>
+              </a:rPr>
+              <a:t>			</a:t>
+            </a:r>
+            <a:r>
+              <a:rPr lang="en-IN" sz="1400" b="1" i="0" dirty="0">
+                <a:solidFill>
+                  <a:schemeClr val="bg1"/>
+                </a:solidFill>
+                <a:effectLst/>
+                <a:latin typeface="Söhne"/>
+              </a:rPr>
+              <a:t>Feedback Acceptance</a:t>
+            </a:r>
+            <a:endParaRPr lang="en-IN" sz="1400" dirty="0">
+              <a:solidFill>
+                <a:schemeClr val="bg1"/>
+              </a:solidFill>
+            </a:endParaRPr>
+          </a:p>
+          <a:p>
+            <a:endParaRPr lang="en-IN" sz="1200" b="1" i="0" dirty="0">
+              <a:solidFill>
+                <a:schemeClr val="bg1"/>
+              </a:solidFill>
+              <a:effectLst/>
+              <a:latin typeface="Söhne"/>
+            </a:endParaRPr>
+          </a:p>
+        </p:txBody>
+      </p:sp>
+    </p:spTree>
+    <p:extLst>
+      <p:ext uri="{BB962C8B-B14F-4D97-AF65-F5344CB8AC3E}">
+        <p14:creationId xmlns:p14="http://schemas.microsoft.com/office/powerpoint/2010/main" val="972832015"/>
+      </p:ext>
+    </p:extLst>
+  </p:cSld>
+  <p:clrMapOvr>
+    <a:masterClrMapping/>
+  </p:clrMapOvr>
+</p:sld>
+</file>
+
 <file path=ppt/slides/slide2.xml><?xml version="1.0" encoding="utf-8"?>
 <p:sld xmlns:a="http://schemas.openxmlformats.org/drawingml/2006/main" xmlns:r="http://schemas.openxmlformats.org/officeDocument/2006/relationships" xmlns:p="http://schemas.openxmlformats.org/presentationml/2006/main">
   <p:cSld>
@@ -13504,7 +13769,7 @@
           <p:cNvPr id="2" name="Title 1">
             <a:extLst>
               <a:ext uri="{FF2B5EF4-FFF2-40B4-BE49-F238E27FC236}">
-                <a16:creationId xmlns:a16="http://schemas.microsoft.com/office/drawing/2014/main" id="{8148EF3A-3E47-3FF8-1A33-CD0AAFF68ED4}"/>
+                <a16:creationId xmlns:a16="http://schemas.microsoft.com/office/drawing/2014/main" id="{210704B9-6251-7A45-D910-AC21E75517DD}"/>
               </a:ext>
             </a:extLst>
           </p:cNvPr>
@@ -13522,8 +13787,13 @@
           <a:p>
             <a:r>
               <a:rPr lang="en-IN" dirty="0"/>
-              <a:t>Application Features</a:t>
+              <a:t>UI </a:t>
             </a:r>
+            <a:r>
+              <a:rPr lang="en-IN" dirty="0" err="1"/>
+              <a:t>SnapShots</a:t>
+            </a:r>
+            <a:endParaRPr lang="en-IN" dirty="0"/>
           </a:p>
         </p:txBody>
       </p:sp>
@@ -13532,7 +13802,7 @@
           <p:cNvPr id="3" name="Subtitle 2">
             <a:extLst>
               <a:ext uri="{FF2B5EF4-FFF2-40B4-BE49-F238E27FC236}">
-                <a16:creationId xmlns:a16="http://schemas.microsoft.com/office/drawing/2014/main" id="{491B4AE7-468C-CE50-8F1D-B9394A4E6553}"/>
+                <a16:creationId xmlns:a16="http://schemas.microsoft.com/office/drawing/2014/main" id="{78E5800D-0CE0-2744-5079-D5B5D3BC73DC}"/>
               </a:ext>
             </a:extLst>
           </p:cNvPr>
@@ -13555,7 +13825,7 @@
     </p:spTree>
     <p:extLst>
       <p:ext uri="{BB962C8B-B14F-4D97-AF65-F5344CB8AC3E}">
-        <p14:creationId xmlns:p14="http://schemas.microsoft.com/office/powerpoint/2010/main" val="1143327802"/>
+        <p14:creationId xmlns:p14="http://schemas.microsoft.com/office/powerpoint/2010/main" val="1147170575"/>
       </p:ext>
     </p:extLst>
   </p:cSld>
@@ -13582,68 +13852,40 @@
           <a:chExt cx="0" cy="0"/>
         </a:xfrm>
       </p:grpSpPr>
-      <p:sp>
-        <p:nvSpPr>
-          <p:cNvPr id="2" name="Title 1">
+      <p:pic>
+        <p:nvPicPr>
+          <p:cNvPr id="7" name="Picture 6">
             <a:extLst>
               <a:ext uri="{FF2B5EF4-FFF2-40B4-BE49-F238E27FC236}">
-                <a16:creationId xmlns:a16="http://schemas.microsoft.com/office/drawing/2014/main" id="{210704B9-6251-7A45-D910-AC21E75517DD}"/>
+                <a16:creationId xmlns:a16="http://schemas.microsoft.com/office/drawing/2014/main" id="{538DA918-33E1-4C3B-97AA-5D1E2CA35465}"/>
               </a:ext>
             </a:extLst>
           </p:cNvPr>
-          <p:cNvSpPr>
-            <a:spLocks noGrp="1"/>
-          </p:cNvSpPr>
-          <p:nvPr>
-            <p:ph type="ctrTitle"/>
-          </p:nvPr>
-        </p:nvSpPr>
-        <p:spPr/>
-        <p:txBody>
-          <a:bodyPr/>
-          <a:lstStyle/>
-          <a:p>
-            <a:r>
-              <a:rPr lang="en-IN" dirty="0"/>
-              <a:t>UI </a:t>
-            </a:r>
-            <a:r>
-              <a:rPr lang="en-IN" dirty="0" err="1"/>
-              <a:t>SnapShots</a:t>
-            </a:r>
-            <a:endParaRPr lang="en-IN" dirty="0"/>
-          </a:p>
-        </p:txBody>
-      </p:sp>
-      <p:sp>
-        <p:nvSpPr>
-          <p:cNvPr id="3" name="Subtitle 2">
-            <a:extLst>
-              <a:ext uri="{FF2B5EF4-FFF2-40B4-BE49-F238E27FC236}">
-                <a16:creationId xmlns:a16="http://schemas.microsoft.com/office/drawing/2014/main" id="{78E5800D-0CE0-2744-5079-D5B5D3BC73DC}"/>
-              </a:ext>
-            </a:extLst>
-          </p:cNvPr>
-          <p:cNvSpPr>
-            <a:spLocks noGrp="1"/>
-          </p:cNvSpPr>
-          <p:nvPr>
-            <p:ph type="subTitle" idx="1"/>
-          </p:nvPr>
-        </p:nvSpPr>
-        <p:spPr/>
-        <p:txBody>
-          <a:bodyPr/>
-          <a:lstStyle/>
-          <a:p>
-            <a:endParaRPr lang="en-IN"/>
-          </a:p>
-        </p:txBody>
-      </p:sp>
+          <p:cNvPicPr>
+            <a:picLocks noChangeAspect="1"/>
+          </p:cNvPicPr>
+          <p:nvPr/>
+        </p:nvPicPr>
+        <p:blipFill>
+          <a:blip r:embed="rId2"/>
+          <a:stretch>
+            <a:fillRect/>
+          </a:stretch>
+        </p:blipFill>
+        <p:spPr>
+          <a:xfrm>
+            <a:off x="0" y="0"/>
+            <a:ext cx="12192000" cy="6858000"/>
+          </a:xfrm>
+          <a:prstGeom prst="rect">
+            <a:avLst/>
+          </a:prstGeom>
+        </p:spPr>
+      </p:pic>
     </p:spTree>
     <p:extLst>
       <p:ext uri="{BB962C8B-B14F-4D97-AF65-F5344CB8AC3E}">
-        <p14:creationId xmlns:p14="http://schemas.microsoft.com/office/powerpoint/2010/main" val="1147170575"/>
+        <p14:creationId xmlns:p14="http://schemas.microsoft.com/office/powerpoint/2010/main" val="3950788658"/>
       </p:ext>
     </p:extLst>
   </p:cSld>
@@ -13675,7 +13917,7 @@
           <p:cNvPr id="2" name="Title 1">
             <a:extLst>
               <a:ext uri="{FF2B5EF4-FFF2-40B4-BE49-F238E27FC236}">
-                <a16:creationId xmlns:a16="http://schemas.microsoft.com/office/drawing/2014/main" id="{90DECB89-E3A6-736D-4137-8A7EA549C6E6}"/>
+                <a16:creationId xmlns:a16="http://schemas.microsoft.com/office/drawing/2014/main" id="{09389AF2-0D86-4D46-A590-F138AFC517E0}"/>
               </a:ext>
             </a:extLst>
           </p:cNvPr>
@@ -13683,44 +13925,24 @@
             <a:spLocks noGrp="1"/>
           </p:cNvSpPr>
           <p:nvPr>
-            <p:ph type="ctrTitle"/>
+            <p:ph type="title"/>
           </p:nvPr>
         </p:nvSpPr>
-        <p:spPr>
-          <a:xfrm>
-            <a:off x="1154955" y="-119624"/>
-            <a:ext cx="8825658" cy="2677648"/>
-          </a:xfrm>
-        </p:spPr>
+        <p:spPr/>
         <p:txBody>
           <a:bodyPr/>
           <a:lstStyle/>
           <a:p>
-            <a:pPr>
-              <a:lnSpc>
-                <a:spcPct val="150000"/>
-              </a:lnSpc>
-            </a:pPr>
-            <a:r>
-              <a:rPr lang="en-IN" dirty="0"/>
-              <a:t>Highlights Of Learning</a:t>
-            </a:r>
-            <a:br>
-              <a:rPr lang="en-IN" dirty="0"/>
-            </a:br>
-            <a:r>
-              <a:rPr lang="en-IN" sz="4400" dirty="0"/>
-              <a:t>Soft Skills:-</a:t>
-            </a:r>
+            <a:endParaRPr lang="en-IN"/>
           </a:p>
         </p:txBody>
       </p:sp>
       <p:sp>
         <p:nvSpPr>
-          <p:cNvPr id="3" name="Subtitle 2">
+          <p:cNvPr id="3" name="Content Placeholder 2">
             <a:extLst>
               <a:ext uri="{FF2B5EF4-FFF2-40B4-BE49-F238E27FC236}">
-                <a16:creationId xmlns:a16="http://schemas.microsoft.com/office/drawing/2014/main" id="{CC52892F-092D-1F7E-70B0-0780D10590D9}"/>
+                <a16:creationId xmlns:a16="http://schemas.microsoft.com/office/drawing/2014/main" id="{7FC9EB7D-7203-4D8B-8FD7-9D793F5D8617}"/>
               </a:ext>
             </a:extLst>
           </p:cNvPr>
@@ -13728,178 +13950,52 @@
             <a:spLocks noGrp="1"/>
           </p:cNvSpPr>
           <p:nvPr>
-            <p:ph type="subTitle" idx="1"/>
+            <p:ph idx="1"/>
           </p:nvPr>
         </p:nvSpPr>
+        <p:spPr/>
+        <p:txBody>
+          <a:bodyPr/>
+          <a:lstStyle/>
+          <a:p>
+            <a:endParaRPr lang="en-IN"/>
+          </a:p>
+        </p:txBody>
+      </p:sp>
+      <p:pic>
+        <p:nvPicPr>
+          <p:cNvPr id="5" name="Picture 4">
+            <a:extLst>
+              <a:ext uri="{FF2B5EF4-FFF2-40B4-BE49-F238E27FC236}">
+                <a16:creationId xmlns:a16="http://schemas.microsoft.com/office/drawing/2014/main" id="{4D41A92B-2667-49AA-81F4-E34668F4C1EC}"/>
+              </a:ext>
+            </a:extLst>
+          </p:cNvPr>
+          <p:cNvPicPr>
+            <a:picLocks noChangeAspect="1"/>
+          </p:cNvPicPr>
+          <p:nvPr/>
+        </p:nvPicPr>
+        <p:blipFill>
+          <a:blip r:embed="rId2"/>
+          <a:stretch>
+            <a:fillRect/>
+          </a:stretch>
+        </p:blipFill>
         <p:spPr>
           <a:xfrm>
-            <a:off x="1154955" y="2715498"/>
-            <a:ext cx="8825658" cy="861420"/>
+            <a:off x="0" y="0"/>
+            <a:ext cx="12192000" cy="6858000"/>
           </a:xfrm>
+          <a:prstGeom prst="rect">
+            <a:avLst/>
+          </a:prstGeom>
         </p:spPr>
-        <p:txBody>
-          <a:bodyPr>
-            <a:noAutofit/>
-          </a:bodyPr>
-          <a:lstStyle/>
-          <a:p>
-            <a:r>
-              <a:rPr lang="en-US" sz="1400" b="0" i="0" dirty="0">
-                <a:solidFill>
-                  <a:schemeClr val="tx1"/>
-                </a:solidFill>
-                <a:effectLst/>
-                <a:latin typeface="Söhne"/>
-              </a:rPr>
-              <a:t>This project provided an excellent opportunity to develop and enhance various soft skills. Here are some key soft skills that WE learnt from participating in This project:</a:t>
-            </a:r>
-          </a:p>
-          <a:p>
-            <a:endParaRPr lang="en-US" sz="1400" dirty="0">
-              <a:solidFill>
-                <a:schemeClr val="tx1"/>
-              </a:solidFill>
-              <a:latin typeface="Söhne"/>
-            </a:endParaRPr>
-          </a:p>
-          <a:p>
-            <a:endParaRPr lang="en-US" sz="1400" b="0" i="0" dirty="0">
-              <a:solidFill>
-                <a:schemeClr val="tx1"/>
-              </a:solidFill>
-              <a:effectLst/>
-              <a:latin typeface="Söhne"/>
-            </a:endParaRPr>
-          </a:p>
-          <a:p>
-            <a:r>
-              <a:rPr lang="en-IN" sz="1400" b="1" i="0" dirty="0">
-                <a:solidFill>
-                  <a:schemeClr val="bg1"/>
-                </a:solidFill>
-                <a:effectLst/>
-                <a:latin typeface="Söhne"/>
-              </a:rPr>
-              <a:t>Communication Skills					Problem-Solving and Critical Thinking</a:t>
-            </a:r>
-            <a:endParaRPr lang="en-IN" sz="1400" b="1" dirty="0">
-              <a:solidFill>
-                <a:schemeClr val="bg1"/>
-              </a:solidFill>
-              <a:latin typeface="Söhne"/>
-            </a:endParaRPr>
-          </a:p>
-          <a:p>
-            <a:r>
-              <a:rPr lang="en-IN" sz="1400" b="1" i="0" dirty="0">
-                <a:solidFill>
-                  <a:schemeClr val="bg1"/>
-                </a:solidFill>
-                <a:effectLst/>
-                <a:latin typeface="Söhne"/>
-              </a:rPr>
-              <a:t>Adaptability							Teamwork and Collaboration</a:t>
-            </a:r>
-          </a:p>
-          <a:p>
-            <a:r>
-              <a:rPr lang="en-IN" sz="1400" b="1" i="0" dirty="0">
-                <a:solidFill>
-                  <a:schemeClr val="bg1"/>
-                </a:solidFill>
-                <a:effectLst/>
-                <a:latin typeface="Söhne"/>
-              </a:rPr>
-              <a:t>Conflict Resolution						Leadership Skills</a:t>
-            </a:r>
-            <a:endParaRPr lang="en-IN" sz="1400" b="1" dirty="0">
-              <a:solidFill>
-                <a:schemeClr val="bg1"/>
-              </a:solidFill>
-              <a:latin typeface="Söhne"/>
-            </a:endParaRPr>
-          </a:p>
-          <a:p>
-            <a:r>
-              <a:rPr lang="en-IN" sz="1400" b="1" i="0" dirty="0">
-                <a:solidFill>
-                  <a:schemeClr val="bg1"/>
-                </a:solidFill>
-                <a:effectLst/>
-                <a:latin typeface="Söhne"/>
-              </a:rPr>
-              <a:t>Presentation Skills						Time Management</a:t>
-            </a:r>
-          </a:p>
-          <a:p>
-            <a:r>
-              <a:rPr lang="en-IN" sz="1400" b="1" i="0" dirty="0">
-                <a:solidFill>
-                  <a:schemeClr val="bg1"/>
-                </a:solidFill>
-                <a:effectLst/>
-                <a:latin typeface="Söhne"/>
-              </a:rPr>
-              <a:t>Empathy and Cultural Awareness			Creativity and Innovation</a:t>
-            </a:r>
-            <a:endParaRPr lang="en-IN" sz="1400" b="1" dirty="0">
-              <a:solidFill>
-                <a:schemeClr val="bg1"/>
-              </a:solidFill>
-              <a:latin typeface="Söhne"/>
-            </a:endParaRPr>
-          </a:p>
-          <a:p>
-            <a:r>
-              <a:rPr lang="en-IN" sz="1400" b="1" i="0" dirty="0">
-                <a:solidFill>
-                  <a:schemeClr val="bg1"/>
-                </a:solidFill>
-                <a:effectLst/>
-                <a:latin typeface="Söhne"/>
-              </a:rPr>
-              <a:t>Responsibility and Accountability</a:t>
-            </a:r>
-            <a:r>
-              <a:rPr lang="en-IN" sz="1400" b="1" dirty="0">
-                <a:solidFill>
-                  <a:schemeClr val="bg1"/>
-                </a:solidFill>
-                <a:latin typeface="Söhne"/>
-              </a:rPr>
-              <a:t>			</a:t>
-            </a:r>
-            <a:r>
-              <a:rPr lang="en-IN" sz="1400" b="1" i="0" dirty="0">
-                <a:solidFill>
-                  <a:schemeClr val="bg1"/>
-                </a:solidFill>
-                <a:effectLst/>
-                <a:latin typeface="Söhne"/>
-              </a:rPr>
-              <a:t>Feedback Acceptance</a:t>
-            </a:r>
-            <a:endParaRPr lang="en-IN" sz="1400" dirty="0">
-              <a:solidFill>
-                <a:schemeClr val="bg1"/>
-              </a:solidFill>
-            </a:endParaRPr>
-          </a:p>
-          <a:p>
-            <a:endParaRPr lang="en-IN" sz="1200" b="1" i="0" dirty="0">
-              <a:solidFill>
-                <a:schemeClr val="bg1"/>
-              </a:solidFill>
-              <a:effectLst/>
-              <a:latin typeface="Söhne"/>
-            </a:endParaRPr>
-          </a:p>
-        </p:txBody>
-      </p:sp>
+      </p:pic>
     </p:spTree>
     <p:extLst>
       <p:ext uri="{BB962C8B-B14F-4D97-AF65-F5344CB8AC3E}">
-        <p14:creationId xmlns:p14="http://schemas.microsoft.com/office/powerpoint/2010/main" val="972832015"/>
+        <p14:creationId xmlns:p14="http://schemas.microsoft.com/office/powerpoint/2010/main" val="1022736333"/>
       </p:ext>
     </p:extLst>
   </p:cSld>
@@ -13931,7 +14027,7 @@
           <p:cNvPr id="2" name="Title 1">
             <a:extLst>
               <a:ext uri="{FF2B5EF4-FFF2-40B4-BE49-F238E27FC236}">
-                <a16:creationId xmlns:a16="http://schemas.microsoft.com/office/drawing/2014/main" id="{90DECB89-E3A6-736D-4137-8A7EA549C6E6}"/>
+                <a16:creationId xmlns:a16="http://schemas.microsoft.com/office/drawing/2014/main" id="{DDA3E8E0-FD31-46B9-9BE3-CD44F0CD967D}"/>
               </a:ext>
             </a:extLst>
           </p:cNvPr>
@@ -13939,44 +14035,24 @@
             <a:spLocks noGrp="1"/>
           </p:cNvSpPr>
           <p:nvPr>
-            <p:ph type="ctrTitle"/>
+            <p:ph type="title"/>
           </p:nvPr>
         </p:nvSpPr>
-        <p:spPr>
-          <a:xfrm>
-            <a:off x="1154955" y="-119624"/>
-            <a:ext cx="8825658" cy="2677648"/>
-          </a:xfrm>
-        </p:spPr>
+        <p:spPr/>
         <p:txBody>
           <a:bodyPr/>
           <a:lstStyle/>
           <a:p>
-            <a:pPr>
-              <a:lnSpc>
-                <a:spcPct val="150000"/>
-              </a:lnSpc>
-            </a:pPr>
-            <a:r>
-              <a:rPr lang="en-IN" dirty="0"/>
-              <a:t>Highlights Of Learning</a:t>
-            </a:r>
-            <a:br>
-              <a:rPr lang="en-IN" dirty="0"/>
-            </a:br>
-            <a:r>
-              <a:rPr lang="en-IN" sz="4400" dirty="0"/>
-              <a:t>Technical Skills:-</a:t>
-            </a:r>
+            <a:endParaRPr lang="en-IN"/>
           </a:p>
         </p:txBody>
       </p:sp>
       <p:sp>
         <p:nvSpPr>
-          <p:cNvPr id="3" name="Subtitle 2">
+          <p:cNvPr id="3" name="Content Placeholder 2">
             <a:extLst>
               <a:ext uri="{FF2B5EF4-FFF2-40B4-BE49-F238E27FC236}">
-                <a16:creationId xmlns:a16="http://schemas.microsoft.com/office/drawing/2014/main" id="{CC52892F-092D-1F7E-70B0-0780D10590D9}"/>
+                <a16:creationId xmlns:a16="http://schemas.microsoft.com/office/drawing/2014/main" id="{5B63D08D-4330-4FCD-88BA-E886D3D69CFC}"/>
               </a:ext>
             </a:extLst>
           </p:cNvPr>
@@ -13984,35 +14060,382 @@
             <a:spLocks noGrp="1"/>
           </p:cNvSpPr>
           <p:nvPr>
-            <p:ph type="subTitle" idx="1"/>
+            <p:ph idx="1"/>
           </p:nvPr>
         </p:nvSpPr>
+        <p:spPr/>
+        <p:txBody>
+          <a:bodyPr/>
+          <a:lstStyle/>
+          <a:p>
+            <a:endParaRPr lang="en-IN"/>
+          </a:p>
+        </p:txBody>
+      </p:sp>
+      <p:pic>
+        <p:nvPicPr>
+          <p:cNvPr id="5" name="Picture 4">
+            <a:extLst>
+              <a:ext uri="{FF2B5EF4-FFF2-40B4-BE49-F238E27FC236}">
+                <a16:creationId xmlns:a16="http://schemas.microsoft.com/office/drawing/2014/main" id="{B642F195-5DF6-4814-9521-4035BEC56229}"/>
+              </a:ext>
+            </a:extLst>
+          </p:cNvPr>
+          <p:cNvPicPr>
+            <a:picLocks noChangeAspect="1"/>
+          </p:cNvPicPr>
+          <p:nvPr/>
+        </p:nvPicPr>
+        <p:blipFill>
+          <a:blip r:embed="rId2"/>
+          <a:stretch>
+            <a:fillRect/>
+          </a:stretch>
+        </p:blipFill>
         <p:spPr>
           <a:xfrm>
-            <a:off x="1154955" y="2715498"/>
-            <a:ext cx="8825658" cy="861420"/>
+            <a:off x="0" y="0"/>
+            <a:ext cx="12192000" cy="6858000"/>
           </a:xfrm>
+          <a:prstGeom prst="rect">
+            <a:avLst/>
+          </a:prstGeom>
         </p:spPr>
-        <p:txBody>
-          <a:bodyPr>
-            <a:noAutofit/>
-          </a:bodyPr>
-          <a:lstStyle/>
-          <a:p>
-            <a:endParaRPr lang="en-IN" sz="1200" b="1" i="0" dirty="0">
-              <a:solidFill>
-                <a:schemeClr val="bg1"/>
-              </a:solidFill>
-              <a:effectLst/>
-              <a:latin typeface="Söhne"/>
-            </a:endParaRPr>
-          </a:p>
-        </p:txBody>
-      </p:sp>
+      </p:pic>
     </p:spTree>
     <p:extLst>
       <p:ext uri="{BB962C8B-B14F-4D97-AF65-F5344CB8AC3E}">
-        <p14:creationId xmlns:p14="http://schemas.microsoft.com/office/powerpoint/2010/main" val="929107835"/>
+        <p14:creationId xmlns:p14="http://schemas.microsoft.com/office/powerpoint/2010/main" val="1439427487"/>
+      </p:ext>
+    </p:extLst>
+  </p:cSld>
+  <p:clrMapOvr>
+    <a:masterClrMapping/>
+  </p:clrMapOvr>
+</p:sld>
+</file>
+
+<file path=ppt/slides/slide7.xml><?xml version="1.0" encoding="utf-8"?>
+<p:sld xmlns:a="http://schemas.openxmlformats.org/drawingml/2006/main" xmlns:r="http://schemas.openxmlformats.org/officeDocument/2006/relationships" xmlns:p="http://schemas.openxmlformats.org/presentationml/2006/main">
+  <p:cSld>
+    <p:spTree>
+      <p:nvGrpSpPr>
+        <p:cNvPr id="1" name=""/>
+        <p:cNvGrpSpPr/>
+        <p:nvPr/>
+      </p:nvGrpSpPr>
+      <p:grpSpPr>
+        <a:xfrm>
+          <a:off x="0" y="0"/>
+          <a:ext cx="0" cy="0"/>
+          <a:chOff x="0" y="0"/>
+          <a:chExt cx="0" cy="0"/>
+        </a:xfrm>
+      </p:grpSpPr>
+      <p:sp>
+        <p:nvSpPr>
+          <p:cNvPr id="2" name="Title 1">
+            <a:extLst>
+              <a:ext uri="{FF2B5EF4-FFF2-40B4-BE49-F238E27FC236}">
+                <a16:creationId xmlns:a16="http://schemas.microsoft.com/office/drawing/2014/main" id="{E6FDFDF8-0BE0-4FBF-927A-EA84923A79BF}"/>
+              </a:ext>
+            </a:extLst>
+          </p:cNvPr>
+          <p:cNvSpPr>
+            <a:spLocks noGrp="1"/>
+          </p:cNvSpPr>
+          <p:nvPr>
+            <p:ph type="title"/>
+          </p:nvPr>
+        </p:nvSpPr>
+        <p:spPr/>
+        <p:txBody>
+          <a:bodyPr/>
+          <a:lstStyle/>
+          <a:p>
+            <a:endParaRPr lang="en-IN"/>
+          </a:p>
+        </p:txBody>
+      </p:sp>
+      <p:sp>
+        <p:nvSpPr>
+          <p:cNvPr id="3" name="Content Placeholder 2">
+            <a:extLst>
+              <a:ext uri="{FF2B5EF4-FFF2-40B4-BE49-F238E27FC236}">
+                <a16:creationId xmlns:a16="http://schemas.microsoft.com/office/drawing/2014/main" id="{8762C26E-20C9-4341-B135-D9ED07A6E637}"/>
+              </a:ext>
+            </a:extLst>
+          </p:cNvPr>
+          <p:cNvSpPr>
+            <a:spLocks noGrp="1"/>
+          </p:cNvSpPr>
+          <p:nvPr>
+            <p:ph idx="1"/>
+          </p:nvPr>
+        </p:nvSpPr>
+        <p:spPr/>
+        <p:txBody>
+          <a:bodyPr/>
+          <a:lstStyle/>
+          <a:p>
+            <a:endParaRPr lang="en-IN"/>
+          </a:p>
+        </p:txBody>
+      </p:sp>
+      <p:pic>
+        <p:nvPicPr>
+          <p:cNvPr id="5" name="Picture 4">
+            <a:extLst>
+              <a:ext uri="{FF2B5EF4-FFF2-40B4-BE49-F238E27FC236}">
+                <a16:creationId xmlns:a16="http://schemas.microsoft.com/office/drawing/2014/main" id="{2ED2CE07-70DE-42A6-9641-3F938AB17BA7}"/>
+              </a:ext>
+            </a:extLst>
+          </p:cNvPr>
+          <p:cNvPicPr>
+            <a:picLocks noChangeAspect="1"/>
+          </p:cNvPicPr>
+          <p:nvPr/>
+        </p:nvPicPr>
+        <p:blipFill>
+          <a:blip r:embed="rId2"/>
+          <a:stretch>
+            <a:fillRect/>
+          </a:stretch>
+        </p:blipFill>
+        <p:spPr>
+          <a:xfrm>
+            <a:off x="0" y="0"/>
+            <a:ext cx="12192000" cy="6858000"/>
+          </a:xfrm>
+          <a:prstGeom prst="rect">
+            <a:avLst/>
+          </a:prstGeom>
+        </p:spPr>
+      </p:pic>
+    </p:spTree>
+    <p:extLst>
+      <p:ext uri="{BB962C8B-B14F-4D97-AF65-F5344CB8AC3E}">
+        <p14:creationId xmlns:p14="http://schemas.microsoft.com/office/powerpoint/2010/main" val="81595187"/>
+      </p:ext>
+    </p:extLst>
+  </p:cSld>
+  <p:clrMapOvr>
+    <a:masterClrMapping/>
+  </p:clrMapOvr>
+</p:sld>
+</file>
+
+<file path=ppt/slides/slide8.xml><?xml version="1.0" encoding="utf-8"?>
+<p:sld xmlns:a="http://schemas.openxmlformats.org/drawingml/2006/main" xmlns:r="http://schemas.openxmlformats.org/officeDocument/2006/relationships" xmlns:p="http://schemas.openxmlformats.org/presentationml/2006/main">
+  <p:cSld>
+    <p:spTree>
+      <p:nvGrpSpPr>
+        <p:cNvPr id="1" name=""/>
+        <p:cNvGrpSpPr/>
+        <p:nvPr/>
+      </p:nvGrpSpPr>
+      <p:grpSpPr>
+        <a:xfrm>
+          <a:off x="0" y="0"/>
+          <a:ext cx="0" cy="0"/>
+          <a:chOff x="0" y="0"/>
+          <a:chExt cx="0" cy="0"/>
+        </a:xfrm>
+      </p:grpSpPr>
+      <p:sp>
+        <p:nvSpPr>
+          <p:cNvPr id="2" name="Title 1">
+            <a:extLst>
+              <a:ext uri="{FF2B5EF4-FFF2-40B4-BE49-F238E27FC236}">
+                <a16:creationId xmlns:a16="http://schemas.microsoft.com/office/drawing/2014/main" id="{C6695E1E-F6B1-4803-BC36-F1316C2BA8B5}"/>
+              </a:ext>
+            </a:extLst>
+          </p:cNvPr>
+          <p:cNvSpPr>
+            <a:spLocks noGrp="1"/>
+          </p:cNvSpPr>
+          <p:nvPr>
+            <p:ph type="title"/>
+          </p:nvPr>
+        </p:nvSpPr>
+        <p:spPr/>
+        <p:txBody>
+          <a:bodyPr/>
+          <a:lstStyle/>
+          <a:p>
+            <a:endParaRPr lang="en-IN"/>
+          </a:p>
+        </p:txBody>
+      </p:sp>
+      <p:sp>
+        <p:nvSpPr>
+          <p:cNvPr id="3" name="Content Placeholder 2">
+            <a:extLst>
+              <a:ext uri="{FF2B5EF4-FFF2-40B4-BE49-F238E27FC236}">
+                <a16:creationId xmlns:a16="http://schemas.microsoft.com/office/drawing/2014/main" id="{D7DC24A9-E5ED-42A1-8801-8C0E173F251D}"/>
+              </a:ext>
+            </a:extLst>
+          </p:cNvPr>
+          <p:cNvSpPr>
+            <a:spLocks noGrp="1"/>
+          </p:cNvSpPr>
+          <p:nvPr>
+            <p:ph idx="1"/>
+          </p:nvPr>
+        </p:nvSpPr>
+        <p:spPr/>
+        <p:txBody>
+          <a:bodyPr/>
+          <a:lstStyle/>
+          <a:p>
+            <a:endParaRPr lang="en-IN"/>
+          </a:p>
+        </p:txBody>
+      </p:sp>
+      <p:pic>
+        <p:nvPicPr>
+          <p:cNvPr id="5" name="Picture 4">
+            <a:extLst>
+              <a:ext uri="{FF2B5EF4-FFF2-40B4-BE49-F238E27FC236}">
+                <a16:creationId xmlns:a16="http://schemas.microsoft.com/office/drawing/2014/main" id="{4C572B31-B916-41CA-AC9A-9D009E08B260}"/>
+              </a:ext>
+            </a:extLst>
+          </p:cNvPr>
+          <p:cNvPicPr>
+            <a:picLocks noChangeAspect="1"/>
+          </p:cNvPicPr>
+          <p:nvPr/>
+        </p:nvPicPr>
+        <p:blipFill>
+          <a:blip r:embed="rId2"/>
+          <a:stretch>
+            <a:fillRect/>
+          </a:stretch>
+        </p:blipFill>
+        <p:spPr>
+          <a:xfrm>
+            <a:off x="0" y="0"/>
+            <a:ext cx="12192000" cy="6858000"/>
+          </a:xfrm>
+          <a:prstGeom prst="rect">
+            <a:avLst/>
+          </a:prstGeom>
+        </p:spPr>
+      </p:pic>
+    </p:spTree>
+    <p:extLst>
+      <p:ext uri="{BB962C8B-B14F-4D97-AF65-F5344CB8AC3E}">
+        <p14:creationId xmlns:p14="http://schemas.microsoft.com/office/powerpoint/2010/main" val="240072263"/>
+      </p:ext>
+    </p:extLst>
+  </p:cSld>
+  <p:clrMapOvr>
+    <a:masterClrMapping/>
+  </p:clrMapOvr>
+</p:sld>
+</file>
+
+<file path=ppt/slides/slide9.xml><?xml version="1.0" encoding="utf-8"?>
+<p:sld xmlns:a="http://schemas.openxmlformats.org/drawingml/2006/main" xmlns:r="http://schemas.openxmlformats.org/officeDocument/2006/relationships" xmlns:p="http://schemas.openxmlformats.org/presentationml/2006/main">
+  <p:cSld>
+    <p:spTree>
+      <p:nvGrpSpPr>
+        <p:cNvPr id="1" name=""/>
+        <p:cNvGrpSpPr/>
+        <p:nvPr/>
+      </p:nvGrpSpPr>
+      <p:grpSpPr>
+        <a:xfrm>
+          <a:off x="0" y="0"/>
+          <a:ext cx="0" cy="0"/>
+          <a:chOff x="0" y="0"/>
+          <a:chExt cx="0" cy="0"/>
+        </a:xfrm>
+      </p:grpSpPr>
+      <p:sp>
+        <p:nvSpPr>
+          <p:cNvPr id="2" name="Title 1">
+            <a:extLst>
+              <a:ext uri="{FF2B5EF4-FFF2-40B4-BE49-F238E27FC236}">
+                <a16:creationId xmlns:a16="http://schemas.microsoft.com/office/drawing/2014/main" id="{8238870D-6E10-43D5-AF25-57653DCF3470}"/>
+              </a:ext>
+            </a:extLst>
+          </p:cNvPr>
+          <p:cNvSpPr>
+            <a:spLocks noGrp="1"/>
+          </p:cNvSpPr>
+          <p:nvPr>
+            <p:ph type="title"/>
+          </p:nvPr>
+        </p:nvSpPr>
+        <p:spPr/>
+        <p:txBody>
+          <a:bodyPr/>
+          <a:lstStyle/>
+          <a:p>
+            <a:endParaRPr lang="en-IN"/>
+          </a:p>
+        </p:txBody>
+      </p:sp>
+      <p:sp>
+        <p:nvSpPr>
+          <p:cNvPr id="3" name="Content Placeholder 2">
+            <a:extLst>
+              <a:ext uri="{FF2B5EF4-FFF2-40B4-BE49-F238E27FC236}">
+                <a16:creationId xmlns:a16="http://schemas.microsoft.com/office/drawing/2014/main" id="{9E567968-9FF5-4657-A02C-26C2FEC5A637}"/>
+              </a:ext>
+            </a:extLst>
+          </p:cNvPr>
+          <p:cNvSpPr>
+            <a:spLocks noGrp="1"/>
+          </p:cNvSpPr>
+          <p:nvPr>
+            <p:ph idx="1"/>
+          </p:nvPr>
+        </p:nvSpPr>
+        <p:spPr/>
+        <p:txBody>
+          <a:bodyPr/>
+          <a:lstStyle/>
+          <a:p>
+            <a:endParaRPr lang="en-IN"/>
+          </a:p>
+        </p:txBody>
+      </p:sp>
+      <p:pic>
+        <p:nvPicPr>
+          <p:cNvPr id="5" name="Picture 4">
+            <a:extLst>
+              <a:ext uri="{FF2B5EF4-FFF2-40B4-BE49-F238E27FC236}">
+                <a16:creationId xmlns:a16="http://schemas.microsoft.com/office/drawing/2014/main" id="{A6F7CB7B-43A1-4F6C-9C4D-F67095CF2ED7}"/>
+              </a:ext>
+            </a:extLst>
+          </p:cNvPr>
+          <p:cNvPicPr>
+            <a:picLocks noChangeAspect="1"/>
+          </p:cNvPicPr>
+          <p:nvPr/>
+        </p:nvPicPr>
+        <p:blipFill>
+          <a:blip r:embed="rId2"/>
+          <a:stretch>
+            <a:fillRect/>
+          </a:stretch>
+        </p:blipFill>
+        <p:spPr>
+          <a:xfrm>
+            <a:off x="0" y="0"/>
+            <a:ext cx="12192000" cy="6858000"/>
+          </a:xfrm>
+          <a:prstGeom prst="rect">
+            <a:avLst/>
+          </a:prstGeom>
+        </p:spPr>
+      </p:pic>
+    </p:spTree>
+    <p:extLst>
+      <p:ext uri="{BB962C8B-B14F-4D97-AF65-F5344CB8AC3E}">
+        <p14:creationId xmlns:p14="http://schemas.microsoft.com/office/powerpoint/2010/main" val="1053360519"/>
       </p:ext>
     </p:extLst>
   </p:cSld>
